--- a/Knowledge.pptx
+++ b/Knowledge.pptx
@@ -8,6 +8,10 @@
     <p:sldId id="256" r:id="rId5"/>
     <p:sldId id="257" r:id="rId6"/>
     <p:sldId id="258" r:id="rId7"/>
+    <p:sldId id="260" r:id="rId8"/>
+    <p:sldId id="261" r:id="rId9"/>
+    <p:sldId id="262" r:id="rId10"/>
+    <p:sldId id="263" r:id="rId11"/>
   </p:sldIdLst>
   <p:sldSz cx="12192000" cy="6858000"/>
   <p:notesSz cx="6858000" cy="9144000"/>
@@ -106,7 +110,149 @@
       </a:defRPr>
     </a:lvl9pPr>
   </p:defaultTextStyle>
+  <p:extLst>
+    <p:ext uri="{EFAFB233-063F-42B5-8137-9DF3F51BA10A}">
+      <p15:sldGuideLst xmlns:p15="http://schemas.microsoft.com/office/powerpoint/2012/main"/>
+    </p:ext>
+  </p:extLst>
 </p:presentation>
+</file>
+
+<file path=ppt/changesInfos/changesInfo1.xml><?xml version="1.0" encoding="utf-8"?>
+<pc:chgInfo xmlns:a="http://schemas.openxmlformats.org/drawingml/2006/main" xmlns:r="http://schemas.openxmlformats.org/officeDocument/2006/relationships" xmlns:ac="http://schemas.microsoft.com/office/drawing/2013/main/command" xmlns:pc="http://schemas.microsoft.com/office/powerpoint/2013/main/command">
+  <pc:docChgLst>
+    <pc:chgData name="max.koegler" userId="d946218f-ec66-40c8-998e-cdeee298b7a6" providerId="ADAL" clId="{DC33FF51-9354-4799-B8FC-116542470FC8}"/>
+    <pc:docChg chg="custSel addSld delSld modSld">
+      <pc:chgData name="max.koegler" userId="d946218f-ec66-40c8-998e-cdeee298b7a6" providerId="ADAL" clId="{DC33FF51-9354-4799-B8FC-116542470FC8}" dt="2024-09-02T17:04:30.095" v="184" actId="20577"/>
+      <pc:docMkLst>
+        <pc:docMk/>
+      </pc:docMkLst>
+      <pc:sldChg chg="add del">
+        <pc:chgData name="max.koegler" userId="d946218f-ec66-40c8-998e-cdeee298b7a6" providerId="ADAL" clId="{DC33FF51-9354-4799-B8FC-116542470FC8}" dt="2024-09-02T17:00:23.365" v="98" actId="2696"/>
+        <pc:sldMkLst>
+          <pc:docMk/>
+          <pc:sldMk cId="182482475" sldId="259"/>
+        </pc:sldMkLst>
+      </pc:sldChg>
+      <pc:sldChg chg="addSp delSp modSp add">
+        <pc:chgData name="max.koegler" userId="d946218f-ec66-40c8-998e-cdeee298b7a6" providerId="ADAL" clId="{DC33FF51-9354-4799-B8FC-116542470FC8}" dt="2024-09-02T17:00:01.523" v="83" actId="20577"/>
+        <pc:sldMkLst>
+          <pc:docMk/>
+          <pc:sldMk cId="3162365282" sldId="260"/>
+        </pc:sldMkLst>
+        <pc:spChg chg="mod">
+          <ac:chgData name="max.koegler" userId="d946218f-ec66-40c8-998e-cdeee298b7a6" providerId="ADAL" clId="{DC33FF51-9354-4799-B8FC-116542470FC8}" dt="2024-09-02T16:59:38.100" v="26" actId="20577"/>
+          <ac:spMkLst>
+            <pc:docMk/>
+            <pc:sldMk cId="3162365282" sldId="260"/>
+            <ac:spMk id="2" creationId="{B264751A-893C-4AA2-8337-997288C089C8}"/>
+          </ac:spMkLst>
+        </pc:spChg>
+        <pc:spChg chg="mod">
+          <ac:chgData name="max.koegler" userId="d946218f-ec66-40c8-998e-cdeee298b7a6" providerId="ADAL" clId="{DC33FF51-9354-4799-B8FC-116542470FC8}" dt="2024-09-02T17:00:01.523" v="83" actId="20577"/>
+          <ac:spMkLst>
+            <pc:docMk/>
+            <pc:sldMk cId="3162365282" sldId="260"/>
+            <ac:spMk id="3" creationId="{60310788-0573-426E-ACDD-628D19E35BCB}"/>
+          </ac:spMkLst>
+        </pc:spChg>
+        <pc:picChg chg="add del">
+          <ac:chgData name="max.koegler" userId="d946218f-ec66-40c8-998e-cdeee298b7a6" providerId="ADAL" clId="{DC33FF51-9354-4799-B8FC-116542470FC8}" dt="2024-09-02T16:59:42.724" v="28"/>
+          <ac:picMkLst>
+            <pc:docMk/>
+            <pc:sldMk cId="3162365282" sldId="260"/>
+            <ac:picMk id="4" creationId="{368DFE72-09A6-4765-872F-1F2AA8224ED4}"/>
+          </ac:picMkLst>
+        </pc:picChg>
+      </pc:sldChg>
+      <pc:sldChg chg="addSp delSp modSp add">
+        <pc:chgData name="max.koegler" userId="d946218f-ec66-40c8-998e-cdeee298b7a6" providerId="ADAL" clId="{DC33FF51-9354-4799-B8FC-116542470FC8}" dt="2024-09-02T17:00:18.352" v="97" actId="1076"/>
+        <pc:sldMkLst>
+          <pc:docMk/>
+          <pc:sldMk cId="1290174424" sldId="261"/>
+        </pc:sldMkLst>
+        <pc:spChg chg="mod">
+          <ac:chgData name="max.koegler" userId="d946218f-ec66-40c8-998e-cdeee298b7a6" providerId="ADAL" clId="{DC33FF51-9354-4799-B8FC-116542470FC8}" dt="2024-09-02T17:00:10.504" v="91" actId="20577"/>
+          <ac:spMkLst>
+            <pc:docMk/>
+            <pc:sldMk cId="1290174424" sldId="261"/>
+            <ac:spMk id="2" creationId="{3193E15E-1094-4D1C-B23E-2273C01735F9}"/>
+          </ac:spMkLst>
+        </pc:spChg>
+        <pc:spChg chg="del">
+          <ac:chgData name="max.koegler" userId="d946218f-ec66-40c8-998e-cdeee298b7a6" providerId="ADAL" clId="{DC33FF51-9354-4799-B8FC-116542470FC8}" dt="2024-09-02T17:00:12.636" v="92"/>
+          <ac:spMkLst>
+            <pc:docMk/>
+            <pc:sldMk cId="1290174424" sldId="261"/>
+            <ac:spMk id="3" creationId="{0FAB91A5-32C5-4E3F-BA9D-FFE571F6F5DC}"/>
+          </ac:spMkLst>
+        </pc:spChg>
+        <pc:picChg chg="add mod">
+          <ac:chgData name="max.koegler" userId="d946218f-ec66-40c8-998e-cdeee298b7a6" providerId="ADAL" clId="{DC33FF51-9354-4799-B8FC-116542470FC8}" dt="2024-09-02T17:00:18.352" v="97" actId="1076"/>
+          <ac:picMkLst>
+            <pc:docMk/>
+            <pc:sldMk cId="1290174424" sldId="261"/>
+            <ac:picMk id="4" creationId="{631FC26A-F787-43FB-AF88-C307630FC607}"/>
+          </ac:picMkLst>
+        </pc:picChg>
+      </pc:sldChg>
+      <pc:sldChg chg="addSp modSp add">
+        <pc:chgData name="max.koegler" userId="d946218f-ec66-40c8-998e-cdeee298b7a6" providerId="ADAL" clId="{DC33FF51-9354-4799-B8FC-116542470FC8}" dt="2024-09-02T17:02:24.172" v="115" actId="1076"/>
+        <pc:sldMkLst>
+          <pc:docMk/>
+          <pc:sldMk cId="1576465119" sldId="262"/>
+        </pc:sldMkLst>
+        <pc:spChg chg="mod">
+          <ac:chgData name="max.koegler" userId="d946218f-ec66-40c8-998e-cdeee298b7a6" providerId="ADAL" clId="{DC33FF51-9354-4799-B8FC-116542470FC8}" dt="2024-09-02T17:02:19.610" v="111" actId="20577"/>
+          <ac:spMkLst>
+            <pc:docMk/>
+            <pc:sldMk cId="1576465119" sldId="262"/>
+            <ac:spMk id="2" creationId="{6E3CD3C1-F108-4F90-8492-A00200D21847}"/>
+          </ac:spMkLst>
+        </pc:spChg>
+        <pc:picChg chg="add mod">
+          <ac:chgData name="max.koegler" userId="d946218f-ec66-40c8-998e-cdeee298b7a6" providerId="ADAL" clId="{DC33FF51-9354-4799-B8FC-116542470FC8}" dt="2024-09-02T17:02:24.172" v="115" actId="1076"/>
+          <ac:picMkLst>
+            <pc:docMk/>
+            <pc:sldMk cId="1576465119" sldId="262"/>
+            <ac:picMk id="4" creationId="{EBE07C62-4CDA-4800-A2DB-E4019EF53DA8}"/>
+          </ac:picMkLst>
+        </pc:picChg>
+      </pc:sldChg>
+      <pc:sldChg chg="addSp delSp modSp add">
+        <pc:chgData name="max.koegler" userId="d946218f-ec66-40c8-998e-cdeee298b7a6" providerId="ADAL" clId="{DC33FF51-9354-4799-B8FC-116542470FC8}" dt="2024-09-02T17:04:30.095" v="184" actId="20577"/>
+        <pc:sldMkLst>
+          <pc:docMk/>
+          <pc:sldMk cId="1861149759" sldId="263"/>
+        </pc:sldMkLst>
+        <pc:spChg chg="mod">
+          <ac:chgData name="max.koegler" userId="d946218f-ec66-40c8-998e-cdeee298b7a6" providerId="ADAL" clId="{DC33FF51-9354-4799-B8FC-116542470FC8}" dt="2024-09-02T17:04:30.095" v="184" actId="20577"/>
+          <ac:spMkLst>
+            <pc:docMk/>
+            <pc:sldMk cId="1861149759" sldId="263"/>
+            <ac:spMk id="2" creationId="{7C6BA511-69D4-4F9C-ACD5-39E42AD920FA}"/>
+          </ac:spMkLst>
+        </pc:spChg>
+        <pc:spChg chg="del">
+          <ac:chgData name="max.koegler" userId="d946218f-ec66-40c8-998e-cdeee298b7a6" providerId="ADAL" clId="{DC33FF51-9354-4799-B8FC-116542470FC8}" dt="2024-09-02T17:04:15.368" v="136"/>
+          <ac:spMkLst>
+            <pc:docMk/>
+            <pc:sldMk cId="1861149759" sldId="263"/>
+            <ac:spMk id="3" creationId="{23A1AB44-97DA-44F9-800B-BED4D7D64524}"/>
+          </ac:spMkLst>
+        </pc:spChg>
+        <pc:picChg chg="add mod">
+          <ac:chgData name="max.koegler" userId="d946218f-ec66-40c8-998e-cdeee298b7a6" providerId="ADAL" clId="{DC33FF51-9354-4799-B8FC-116542470FC8}" dt="2024-09-02T17:04:16.279" v="137" actId="1076"/>
+          <ac:picMkLst>
+            <pc:docMk/>
+            <pc:sldMk cId="1861149759" sldId="263"/>
+            <ac:picMk id="4" creationId="{434F38A3-18C9-4020-9D4B-53705258A6D4}"/>
+          </ac:picMkLst>
+        </pc:picChg>
+      </pc:sldChg>
+    </pc:docChg>
+  </pc:docChgLst>
+</pc:chgInfo>
 </file>
 
 <file path=ppt/slideLayouts/slideLayout1.xml><?xml version="1.0" encoding="utf-8"?>
@@ -258,7 +404,7 @@
           <a:p>
             <a:fld id="{531BC03E-9CD8-4EA0-9577-F264977D7F5B}" type="datetimeFigureOut">
               <a:rPr lang="de-DE" smtClean="0"/>
-              <a:t>27.08.2024</a:t>
+              <a:t>02.09.2024</a:t>
             </a:fld>
             <a:endParaRPr lang="de-DE"/>
           </a:p>
@@ -458,7 +604,7 @@
           <a:p>
             <a:fld id="{531BC03E-9CD8-4EA0-9577-F264977D7F5B}" type="datetimeFigureOut">
               <a:rPr lang="de-DE" smtClean="0"/>
-              <a:t>27.08.2024</a:t>
+              <a:t>02.09.2024</a:t>
             </a:fld>
             <a:endParaRPr lang="de-DE"/>
           </a:p>
@@ -668,7 +814,7 @@
           <a:p>
             <a:fld id="{531BC03E-9CD8-4EA0-9577-F264977D7F5B}" type="datetimeFigureOut">
               <a:rPr lang="de-DE" smtClean="0"/>
-              <a:t>27.08.2024</a:t>
+              <a:t>02.09.2024</a:t>
             </a:fld>
             <a:endParaRPr lang="de-DE"/>
           </a:p>
@@ -868,7 +1014,7 @@
           <a:p>
             <a:fld id="{531BC03E-9CD8-4EA0-9577-F264977D7F5B}" type="datetimeFigureOut">
               <a:rPr lang="de-DE" smtClean="0"/>
-              <a:t>27.08.2024</a:t>
+              <a:t>02.09.2024</a:t>
             </a:fld>
             <a:endParaRPr lang="de-DE"/>
           </a:p>
@@ -1144,7 +1290,7 @@
           <a:p>
             <a:fld id="{531BC03E-9CD8-4EA0-9577-F264977D7F5B}" type="datetimeFigureOut">
               <a:rPr lang="de-DE" smtClean="0"/>
-              <a:t>27.08.2024</a:t>
+              <a:t>02.09.2024</a:t>
             </a:fld>
             <a:endParaRPr lang="de-DE"/>
           </a:p>
@@ -1412,7 +1558,7 @@
           <a:p>
             <a:fld id="{531BC03E-9CD8-4EA0-9577-F264977D7F5B}" type="datetimeFigureOut">
               <a:rPr lang="de-DE" smtClean="0"/>
-              <a:t>27.08.2024</a:t>
+              <a:t>02.09.2024</a:t>
             </a:fld>
             <a:endParaRPr lang="de-DE"/>
           </a:p>
@@ -1827,7 +1973,7 @@
           <a:p>
             <a:fld id="{531BC03E-9CD8-4EA0-9577-F264977D7F5B}" type="datetimeFigureOut">
               <a:rPr lang="de-DE" smtClean="0"/>
-              <a:t>27.08.2024</a:t>
+              <a:t>02.09.2024</a:t>
             </a:fld>
             <a:endParaRPr lang="de-DE"/>
           </a:p>
@@ -1969,7 +2115,7 @@
           <a:p>
             <a:fld id="{531BC03E-9CD8-4EA0-9577-F264977D7F5B}" type="datetimeFigureOut">
               <a:rPr lang="de-DE" smtClean="0"/>
-              <a:t>27.08.2024</a:t>
+              <a:t>02.09.2024</a:t>
             </a:fld>
             <a:endParaRPr lang="de-DE"/>
           </a:p>
@@ -2082,7 +2228,7 @@
           <a:p>
             <a:fld id="{531BC03E-9CD8-4EA0-9577-F264977D7F5B}" type="datetimeFigureOut">
               <a:rPr lang="de-DE" smtClean="0"/>
-              <a:t>27.08.2024</a:t>
+              <a:t>02.09.2024</a:t>
             </a:fld>
             <a:endParaRPr lang="de-DE"/>
           </a:p>
@@ -2395,7 +2541,7 @@
           <a:p>
             <a:fld id="{531BC03E-9CD8-4EA0-9577-F264977D7F5B}" type="datetimeFigureOut">
               <a:rPr lang="de-DE" smtClean="0"/>
-              <a:t>27.08.2024</a:t>
+              <a:t>02.09.2024</a:t>
             </a:fld>
             <a:endParaRPr lang="de-DE"/>
           </a:p>
@@ -2684,7 +2830,7 @@
           <a:p>
             <a:fld id="{531BC03E-9CD8-4EA0-9577-F264977D7F5B}" type="datetimeFigureOut">
               <a:rPr lang="de-DE" smtClean="0"/>
-              <a:t>27.08.2024</a:t>
+              <a:t>02.09.2024</a:t>
             </a:fld>
             <a:endParaRPr lang="de-DE"/>
           </a:p>
@@ -2927,7 +3073,7 @@
           <a:p>
             <a:fld id="{531BC03E-9CD8-4EA0-9577-F264977D7F5B}" type="datetimeFigureOut">
               <a:rPr lang="de-DE" smtClean="0"/>
-              <a:t>27.08.2024</a:t>
+              <a:t>02.09.2024</a:t>
             </a:fld>
             <a:endParaRPr lang="de-DE"/>
           </a:p>
@@ -3755,6 +3901,392 @@
 </p:sld>
 </file>
 
+<file path=ppt/slides/slide4.xml><?xml version="1.0" encoding="utf-8"?>
+<p:sld xmlns:a="http://schemas.openxmlformats.org/drawingml/2006/main" xmlns:r="http://schemas.openxmlformats.org/officeDocument/2006/relationships" xmlns:p="http://schemas.openxmlformats.org/presentationml/2006/main">
+  <p:cSld>
+    <p:spTree>
+      <p:nvGrpSpPr>
+        <p:cNvPr id="1" name=""/>
+        <p:cNvGrpSpPr/>
+        <p:nvPr/>
+      </p:nvGrpSpPr>
+      <p:grpSpPr>
+        <a:xfrm>
+          <a:off x="0" y="0"/>
+          <a:ext cx="0" cy="0"/>
+          <a:chOff x="0" y="0"/>
+          <a:chExt cx="0" cy="0"/>
+        </a:xfrm>
+      </p:grpSpPr>
+      <p:sp>
+        <p:nvSpPr>
+          <p:cNvPr id="2" name="Title 1">
+            <a:extLst>
+              <a:ext uri="{FF2B5EF4-FFF2-40B4-BE49-F238E27FC236}">
+                <a16:creationId xmlns:a16="http://schemas.microsoft.com/office/drawing/2014/main" id="{B264751A-893C-4AA2-8337-997288C089C8}"/>
+              </a:ext>
+            </a:extLst>
+          </p:cNvPr>
+          <p:cNvSpPr>
+            <a:spLocks noGrp="1"/>
+          </p:cNvSpPr>
+          <p:nvPr>
+            <p:ph type="ctrTitle"/>
+          </p:nvPr>
+        </p:nvSpPr>
+        <p:spPr/>
+        <p:txBody>
+          <a:bodyPr/>
+          <a:lstStyle/>
+          <a:p>
+            <a:r>
+              <a:rPr lang="de-DE" dirty="0"/>
+              <a:t>Multiple Inputs</a:t>
+            </a:r>
+          </a:p>
+        </p:txBody>
+      </p:sp>
+      <p:sp>
+        <p:nvSpPr>
+          <p:cNvPr id="3" name="Subtitle 2">
+            <a:extLst>
+              <a:ext uri="{FF2B5EF4-FFF2-40B4-BE49-F238E27FC236}">
+                <a16:creationId xmlns:a16="http://schemas.microsoft.com/office/drawing/2014/main" id="{60310788-0573-426E-ACDD-628D19E35BCB}"/>
+              </a:ext>
+            </a:extLst>
+          </p:cNvPr>
+          <p:cNvSpPr>
+            <a:spLocks noGrp="1"/>
+          </p:cNvSpPr>
+          <p:nvPr>
+            <p:ph type="subTitle" idx="1"/>
+          </p:nvPr>
+        </p:nvSpPr>
+        <p:spPr/>
+        <p:txBody>
+          <a:bodyPr/>
+          <a:lstStyle/>
+          <a:p>
+            <a:r>
+              <a:rPr lang="de-DE" dirty="0"/>
+              <a:t>Hausbild + hard facts </a:t>
+            </a:r>
+            <a:r>
+              <a:rPr lang="de-DE" dirty="0">
+                <a:sym typeface="Wingdings" panose="05000000000000000000" pitchFamily="2" charset="2"/>
+              </a:rPr>
+              <a:t> Price prediction</a:t>
+            </a:r>
+            <a:endParaRPr lang="de-DE" dirty="0"/>
+          </a:p>
+        </p:txBody>
+      </p:sp>
+    </p:spTree>
+    <p:extLst>
+      <p:ext uri="{BB962C8B-B14F-4D97-AF65-F5344CB8AC3E}">
+        <p14:creationId xmlns:p14="http://schemas.microsoft.com/office/powerpoint/2010/main" val="3162365282"/>
+      </p:ext>
+    </p:extLst>
+  </p:cSld>
+  <p:clrMapOvr>
+    <a:masterClrMapping/>
+  </p:clrMapOvr>
+</p:sld>
+</file>
+
+<file path=ppt/slides/slide5.xml><?xml version="1.0" encoding="utf-8"?>
+<p:sld xmlns:a="http://schemas.openxmlformats.org/drawingml/2006/main" xmlns:r="http://schemas.openxmlformats.org/officeDocument/2006/relationships" xmlns:p="http://schemas.openxmlformats.org/presentationml/2006/main">
+  <p:cSld>
+    <p:spTree>
+      <p:nvGrpSpPr>
+        <p:cNvPr id="1" name=""/>
+        <p:cNvGrpSpPr/>
+        <p:nvPr/>
+      </p:nvGrpSpPr>
+      <p:grpSpPr>
+        <a:xfrm>
+          <a:off x="0" y="0"/>
+          <a:ext cx="0" cy="0"/>
+          <a:chOff x="0" y="0"/>
+          <a:chExt cx="0" cy="0"/>
+        </a:xfrm>
+      </p:grpSpPr>
+      <p:sp>
+        <p:nvSpPr>
+          <p:cNvPr id="2" name="Title 1">
+            <a:extLst>
+              <a:ext uri="{FF2B5EF4-FFF2-40B4-BE49-F238E27FC236}">
+                <a16:creationId xmlns:a16="http://schemas.microsoft.com/office/drawing/2014/main" id="{3193E15E-1094-4D1C-B23E-2273C01735F9}"/>
+              </a:ext>
+            </a:extLst>
+          </p:cNvPr>
+          <p:cNvSpPr>
+            <a:spLocks noGrp="1"/>
+          </p:cNvSpPr>
+          <p:nvPr>
+            <p:ph type="title"/>
+          </p:nvPr>
+        </p:nvSpPr>
+        <p:spPr/>
+        <p:txBody>
+          <a:bodyPr/>
+          <a:lstStyle/>
+          <a:p>
+            <a:r>
+              <a:rPr lang="de-DE" dirty="0"/>
+              <a:t>Methods</a:t>
+            </a:r>
+          </a:p>
+        </p:txBody>
+      </p:sp>
+      <p:pic>
+        <p:nvPicPr>
+          <p:cNvPr id="4" name="Content Placeholder 3">
+            <a:extLst>
+              <a:ext uri="{FF2B5EF4-FFF2-40B4-BE49-F238E27FC236}">
+                <a16:creationId xmlns:a16="http://schemas.microsoft.com/office/drawing/2014/main" id="{631FC26A-F787-43FB-AF88-C307630FC607}"/>
+              </a:ext>
+            </a:extLst>
+          </p:cNvPr>
+          <p:cNvPicPr>
+            <a:picLocks noGrp="1" noChangeAspect="1"/>
+          </p:cNvPicPr>
+          <p:nvPr>
+            <p:ph idx="1"/>
+          </p:nvPr>
+        </p:nvPicPr>
+        <p:blipFill>
+          <a:blip r:embed="rId2"/>
+          <a:stretch>
+            <a:fillRect/>
+          </a:stretch>
+        </p:blipFill>
+        <p:spPr>
+          <a:xfrm>
+            <a:off x="4647501" y="550358"/>
+            <a:ext cx="6090408" cy="5757283"/>
+          </a:xfrm>
+          <a:prstGeom prst="rect">
+            <a:avLst/>
+          </a:prstGeom>
+        </p:spPr>
+      </p:pic>
+    </p:spTree>
+    <p:extLst>
+      <p:ext uri="{BB962C8B-B14F-4D97-AF65-F5344CB8AC3E}">
+        <p14:creationId xmlns:p14="http://schemas.microsoft.com/office/powerpoint/2010/main" val="1290174424"/>
+      </p:ext>
+    </p:extLst>
+  </p:cSld>
+  <p:clrMapOvr>
+    <a:masterClrMapping/>
+  </p:clrMapOvr>
+</p:sld>
+</file>
+
+<file path=ppt/slides/slide6.xml><?xml version="1.0" encoding="utf-8"?>
+<p:sld xmlns:a="http://schemas.openxmlformats.org/drawingml/2006/main" xmlns:r="http://schemas.openxmlformats.org/officeDocument/2006/relationships" xmlns:p="http://schemas.openxmlformats.org/presentationml/2006/main">
+  <p:cSld>
+    <p:spTree>
+      <p:nvGrpSpPr>
+        <p:cNvPr id="1" name=""/>
+        <p:cNvGrpSpPr/>
+        <p:nvPr/>
+      </p:nvGrpSpPr>
+      <p:grpSpPr>
+        <a:xfrm>
+          <a:off x="0" y="0"/>
+          <a:ext cx="0" cy="0"/>
+          <a:chOff x="0" y="0"/>
+          <a:chExt cx="0" cy="0"/>
+        </a:xfrm>
+      </p:grpSpPr>
+      <p:sp>
+        <p:nvSpPr>
+          <p:cNvPr id="2" name="Title 1">
+            <a:extLst>
+              <a:ext uri="{FF2B5EF4-FFF2-40B4-BE49-F238E27FC236}">
+                <a16:creationId xmlns:a16="http://schemas.microsoft.com/office/drawing/2014/main" id="{6E3CD3C1-F108-4F90-8492-A00200D21847}"/>
+              </a:ext>
+            </a:extLst>
+          </p:cNvPr>
+          <p:cNvSpPr>
+            <a:spLocks noGrp="1"/>
+          </p:cNvSpPr>
+          <p:nvPr>
+            <p:ph type="title"/>
+          </p:nvPr>
+        </p:nvSpPr>
+        <p:spPr/>
+        <p:txBody>
+          <a:bodyPr/>
+          <a:lstStyle/>
+          <a:p>
+            <a:r>
+              <a:rPr lang="de-DE" dirty="0"/>
+              <a:t>FC layer</a:t>
+            </a:r>
+          </a:p>
+        </p:txBody>
+      </p:sp>
+      <p:sp>
+        <p:nvSpPr>
+          <p:cNvPr id="3" name="Content Placeholder 2">
+            <a:extLst>
+              <a:ext uri="{FF2B5EF4-FFF2-40B4-BE49-F238E27FC236}">
+                <a16:creationId xmlns:a16="http://schemas.microsoft.com/office/drawing/2014/main" id="{2CBBE7F6-5076-4CE0-87F7-88F128037999}"/>
+              </a:ext>
+            </a:extLst>
+          </p:cNvPr>
+          <p:cNvSpPr>
+            <a:spLocks noGrp="1"/>
+          </p:cNvSpPr>
+          <p:nvPr>
+            <p:ph idx="1"/>
+          </p:nvPr>
+        </p:nvSpPr>
+        <p:spPr/>
+        <p:txBody>
+          <a:bodyPr/>
+          <a:lstStyle/>
+          <a:p>
+            <a:endParaRPr lang="de-DE"/>
+          </a:p>
+        </p:txBody>
+      </p:sp>
+      <p:pic>
+        <p:nvPicPr>
+          <p:cNvPr id="4" name="Picture 3">
+            <a:extLst>
+              <a:ext uri="{FF2B5EF4-FFF2-40B4-BE49-F238E27FC236}">
+                <a16:creationId xmlns:a16="http://schemas.microsoft.com/office/drawing/2014/main" id="{EBE07C62-4CDA-4800-A2DB-E4019EF53DA8}"/>
+              </a:ext>
+            </a:extLst>
+          </p:cNvPr>
+          <p:cNvPicPr>
+            <a:picLocks noChangeAspect="1"/>
+          </p:cNvPicPr>
+          <p:nvPr/>
+        </p:nvPicPr>
+        <p:blipFill>
+          <a:blip r:embed="rId2"/>
+          <a:stretch>
+            <a:fillRect/>
+          </a:stretch>
+        </p:blipFill>
+        <p:spPr>
+          <a:xfrm>
+            <a:off x="5226341" y="1129320"/>
+            <a:ext cx="5361148" cy="4843845"/>
+          </a:xfrm>
+          <a:prstGeom prst="rect">
+            <a:avLst/>
+          </a:prstGeom>
+        </p:spPr>
+      </p:pic>
+    </p:spTree>
+    <p:extLst>
+      <p:ext uri="{BB962C8B-B14F-4D97-AF65-F5344CB8AC3E}">
+        <p14:creationId xmlns:p14="http://schemas.microsoft.com/office/powerpoint/2010/main" val="1576465119"/>
+      </p:ext>
+    </p:extLst>
+  </p:cSld>
+  <p:clrMapOvr>
+    <a:masterClrMapping/>
+  </p:clrMapOvr>
+</p:sld>
+</file>
+
+<file path=ppt/slides/slide7.xml><?xml version="1.0" encoding="utf-8"?>
+<p:sld xmlns:a="http://schemas.openxmlformats.org/drawingml/2006/main" xmlns:r="http://schemas.openxmlformats.org/officeDocument/2006/relationships" xmlns:p="http://schemas.openxmlformats.org/presentationml/2006/main">
+  <p:cSld>
+    <p:spTree>
+      <p:nvGrpSpPr>
+        <p:cNvPr id="1" name=""/>
+        <p:cNvGrpSpPr/>
+        <p:nvPr/>
+      </p:nvGrpSpPr>
+      <p:grpSpPr>
+        <a:xfrm>
+          <a:off x="0" y="0"/>
+          <a:ext cx="0" cy="0"/>
+          <a:chOff x="0" y="0"/>
+          <a:chExt cx="0" cy="0"/>
+        </a:xfrm>
+      </p:grpSpPr>
+      <p:sp>
+        <p:nvSpPr>
+          <p:cNvPr id="2" name="Title 1">
+            <a:extLst>
+              <a:ext uri="{FF2B5EF4-FFF2-40B4-BE49-F238E27FC236}">
+                <a16:creationId xmlns:a16="http://schemas.microsoft.com/office/drawing/2014/main" id="{7C6BA511-69D4-4F9C-ACD5-39E42AD920FA}"/>
+              </a:ext>
+            </a:extLst>
+          </p:cNvPr>
+          <p:cNvSpPr>
+            <a:spLocks noGrp="1"/>
+          </p:cNvSpPr>
+          <p:nvPr>
+            <p:ph type="title"/>
+          </p:nvPr>
+        </p:nvSpPr>
+        <p:spPr/>
+        <p:txBody>
+          <a:bodyPr/>
+          <a:lstStyle/>
+          <a:p>
+            <a:r>
+              <a:rPr lang="de-DE" dirty="0"/>
+              <a:t>Convolutional layer (only neigboring neurons connected) </a:t>
+            </a:r>
+          </a:p>
+        </p:txBody>
+      </p:sp>
+      <p:pic>
+        <p:nvPicPr>
+          <p:cNvPr id="4" name="Content Placeholder 3">
+            <a:extLst>
+              <a:ext uri="{FF2B5EF4-FFF2-40B4-BE49-F238E27FC236}">
+                <a16:creationId xmlns:a16="http://schemas.microsoft.com/office/drawing/2014/main" id="{434F38A3-18C9-4020-9D4B-53705258A6D4}"/>
+              </a:ext>
+            </a:extLst>
+          </p:cNvPr>
+          <p:cNvPicPr>
+            <a:picLocks noGrp="1" noChangeAspect="1"/>
+          </p:cNvPicPr>
+          <p:nvPr>
+            <p:ph idx="1"/>
+          </p:nvPr>
+        </p:nvPicPr>
+        <p:blipFill>
+          <a:blip r:embed="rId2"/>
+          <a:stretch>
+            <a:fillRect/>
+          </a:stretch>
+        </p:blipFill>
+        <p:spPr>
+          <a:xfrm>
+            <a:off x="2503045" y="1690688"/>
+            <a:ext cx="6951019" cy="4351338"/>
+          </a:xfrm>
+          <a:prstGeom prst="rect">
+            <a:avLst/>
+          </a:prstGeom>
+        </p:spPr>
+      </p:pic>
+    </p:spTree>
+    <p:extLst>
+      <p:ext uri="{BB962C8B-B14F-4D97-AF65-F5344CB8AC3E}">
+        <p14:creationId xmlns:p14="http://schemas.microsoft.com/office/powerpoint/2010/main" val="1861149759"/>
+      </p:ext>
+    </p:extLst>
+  </p:cSld>
+  <p:clrMapOvr>
+    <a:masterClrMapping/>
+  </p:clrMapOvr>
+</p:sld>
+</file>
+
 <file path=ppt/theme/theme1.xml><?xml version="1.0" encoding="utf-8"?>
 <a:theme xmlns:a="http://schemas.openxmlformats.org/drawingml/2006/main" name="Office Theme">
   <a:themeElements>
@@ -4051,6 +4583,23 @@
 </file>
 
 <file path=customXml/item1.xml><?xml version="1.0" encoding="utf-8"?>
+<p:properties xmlns:p="http://schemas.microsoft.com/office/2006/metadata/properties" xmlns:xsi="http://www.w3.org/2001/XMLSchema-instance" xmlns:pc="http://schemas.microsoft.com/office/infopath/2007/PartnerControls">
+  <documentManagement>
+    <_activity xmlns="bac5c0ce-8fe9-4600-ae52-54e2598dbc0d" xsi:nil="true"/>
+  </documentManagement>
+</p:properties>
+</file>
+
+<file path=customXml/item2.xml><?xml version="1.0" encoding="utf-8"?>
+<?mso-contentType ?>
+<FormTemplates xmlns="http://schemas.microsoft.com/sharepoint/v3/contenttype/forms">
+  <Display>DocumentLibraryForm</Display>
+  <Edit>DocumentLibraryForm</Edit>
+  <New>DocumentLibraryForm</New>
+</FormTemplates>
+</file>
+
+<file path=customXml/item3.xml><?xml version="1.0" encoding="utf-8"?>
 <ct:contentTypeSchema xmlns:ct="http://schemas.microsoft.com/office/2006/metadata/contentType" xmlns:ma="http://schemas.microsoft.com/office/2006/metadata/properties/metaAttributes" ct:_="" ma:_="" ma:contentTypeName="Dokument" ma:contentTypeID="0x010100A94C8B9EF9CEA347BC587571F846F827" ma:contentTypeVersion="11" ma:contentTypeDescription="Ein neues Dokument erstellen." ma:contentTypeScope="" ma:versionID="0a7805a3a6acd038ed4984f31f11d3ba">
   <xsd:schema xmlns:xsd="http://www.w3.org/2001/XMLSchema" xmlns:xs="http://www.w3.org/2001/XMLSchema" xmlns:p="http://schemas.microsoft.com/office/2006/metadata/properties" xmlns:ns3="bac5c0ce-8fe9-4600-ae52-54e2598dbc0d" targetNamespace="http://schemas.microsoft.com/office/2006/metadata/properties" ma:root="true" ma:fieldsID="6ac7b9644703bc9f9c3a5d7ace44a693" ns3:_="">
     <xsd:import namespace="bac5c0ce-8fe9-4600-ae52-54e2598dbc0d"/>
@@ -4238,24 +4787,31 @@
 </ct:contentTypeSchema>
 </file>
 
-<file path=customXml/item2.xml><?xml version="1.0" encoding="utf-8"?>
-<?mso-contentType ?>
-<FormTemplates xmlns="http://schemas.microsoft.com/sharepoint/v3/contenttype/forms">
-  <Display>DocumentLibraryForm</Display>
-  <Edit>DocumentLibraryForm</Edit>
-  <New>DocumentLibraryForm</New>
-</FormTemplates>
+<file path=customXml/itemProps1.xml><?xml version="1.0" encoding="utf-8"?>
+<ds:datastoreItem xmlns:ds="http://schemas.openxmlformats.org/officeDocument/2006/customXml" ds:itemID="{78BD2F25-50E9-4A4A-8F37-5D88EC77E5D1}">
+  <ds:schemaRefs>
+    <ds:schemaRef ds:uri="http://schemas.microsoft.com/office/2006/documentManagement/types"/>
+    <ds:schemaRef ds:uri="http://schemas.microsoft.com/office/2006/metadata/properties"/>
+    <ds:schemaRef ds:uri="http://www.w3.org/XML/1998/namespace"/>
+    <ds:schemaRef ds:uri="http://schemas.openxmlformats.org/package/2006/metadata/core-properties"/>
+    <ds:schemaRef ds:uri="bac5c0ce-8fe9-4600-ae52-54e2598dbc0d"/>
+    <ds:schemaRef ds:uri="http://purl.org/dc/elements/1.1/"/>
+    <ds:schemaRef ds:uri="http://purl.org/dc/terms/"/>
+    <ds:schemaRef ds:uri="http://schemas.microsoft.com/office/infopath/2007/PartnerControls"/>
+    <ds:schemaRef ds:uri="http://purl.org/dc/dcmitype/"/>
+  </ds:schemaRefs>
+</ds:datastoreItem>
 </file>
 
-<file path=customXml/item3.xml><?xml version="1.0" encoding="utf-8"?>
-<p:properties xmlns:p="http://schemas.microsoft.com/office/2006/metadata/properties" xmlns:xsi="http://www.w3.org/2001/XMLSchema-instance" xmlns:pc="http://schemas.microsoft.com/office/infopath/2007/PartnerControls">
-  <documentManagement>
-    <_activity xmlns="bac5c0ce-8fe9-4600-ae52-54e2598dbc0d" xsi:nil="true"/>
-  </documentManagement>
-</p:properties>
+<file path=customXml/itemProps2.xml><?xml version="1.0" encoding="utf-8"?>
+<ds:datastoreItem xmlns:ds="http://schemas.openxmlformats.org/officeDocument/2006/customXml" ds:itemID="{0874091F-7319-490E-81F6-D18A1FC92960}">
+  <ds:schemaRefs>
+    <ds:schemaRef ds:uri="http://schemas.microsoft.com/sharepoint/v3/contenttype/forms"/>
+  </ds:schemaRefs>
+</ds:datastoreItem>
 </file>
 
-<file path=customXml/itemProps1.xml><?xml version="1.0" encoding="utf-8"?>
+<file path=customXml/itemProps3.xml><?xml version="1.0" encoding="utf-8"?>
 <ds:datastoreItem xmlns:ds="http://schemas.openxmlformats.org/officeDocument/2006/customXml" ds:itemID="{D2CEBE92-BF88-46D0-A3F8-B4604F0FBB81}">
   <ds:schemaRefs>
     <ds:schemaRef ds:uri="http://schemas.microsoft.com/office/2006/metadata/contentType"/>
@@ -4271,28 +4827,4 @@
     <ds:schemaRef ds:uri="http://schemas.microsoft.com/internal/obd"/>
   </ds:schemaRefs>
 </ds:datastoreItem>
-</file>
-
-<file path=customXml/itemProps2.xml><?xml version="1.0" encoding="utf-8"?>
-<ds:datastoreItem xmlns:ds="http://schemas.openxmlformats.org/officeDocument/2006/customXml" ds:itemID="{0874091F-7319-490E-81F6-D18A1FC92960}">
-  <ds:schemaRefs>
-    <ds:schemaRef ds:uri="http://schemas.microsoft.com/sharepoint/v3/contenttype/forms"/>
-  </ds:schemaRefs>
-</ds:datastoreItem>
-</file>
-
-<file path=customXml/itemProps3.xml><?xml version="1.0" encoding="utf-8"?>
-<ds:datastoreItem xmlns:ds="http://schemas.openxmlformats.org/officeDocument/2006/customXml" ds:itemID="{78BD2F25-50E9-4A4A-8F37-5D88EC77E5D1}">
-  <ds:schemaRefs>
-    <ds:schemaRef ds:uri="http://www.w3.org/XML/1998/namespace"/>
-    <ds:schemaRef ds:uri="http://schemas.microsoft.com/office/2006/metadata/properties"/>
-    <ds:schemaRef ds:uri="http://purl.org/dc/terms/"/>
-    <ds:schemaRef ds:uri="http://purl.org/dc/elements/1.1/"/>
-    <ds:schemaRef ds:uri="http://schemas.microsoft.com/office/infopath/2007/PartnerControls"/>
-    <ds:schemaRef ds:uri="bac5c0ce-8fe9-4600-ae52-54e2598dbc0d"/>
-    <ds:schemaRef ds:uri="http://purl.org/dc/dcmitype/"/>
-    <ds:schemaRef ds:uri="http://schemas.openxmlformats.org/package/2006/metadata/core-properties"/>
-    <ds:schemaRef ds:uri="http://schemas.microsoft.com/office/2006/documentManagement/types"/>
-  </ds:schemaRefs>
-</ds:datastoreItem>
 </file>
--- a/Knowledge.pptx
+++ b/Knowledge.pptx
@@ -8,10 +8,11 @@
     <p:sldId id="256" r:id="rId5"/>
     <p:sldId id="257" r:id="rId6"/>
     <p:sldId id="258" r:id="rId7"/>
-    <p:sldId id="260" r:id="rId8"/>
-    <p:sldId id="261" r:id="rId9"/>
-    <p:sldId id="262" r:id="rId10"/>
-    <p:sldId id="263" r:id="rId11"/>
+    <p:sldId id="264" r:id="rId8"/>
+    <p:sldId id="260" r:id="rId9"/>
+    <p:sldId id="261" r:id="rId10"/>
+    <p:sldId id="262" r:id="rId11"/>
+    <p:sldId id="263" r:id="rId12"/>
   </p:sldIdLst>
   <p:sldSz cx="12192000" cy="6858000"/>
   <p:notesSz cx="6858000" cy="9144000"/>
@@ -404,7 +405,7 @@
           <a:p>
             <a:fld id="{531BC03E-9CD8-4EA0-9577-F264977D7F5B}" type="datetimeFigureOut">
               <a:rPr lang="de-DE" smtClean="0"/>
-              <a:t>02.09.2024</a:t>
+              <a:t>11.10.2024</a:t>
             </a:fld>
             <a:endParaRPr lang="de-DE"/>
           </a:p>
@@ -604,7 +605,7 @@
           <a:p>
             <a:fld id="{531BC03E-9CD8-4EA0-9577-F264977D7F5B}" type="datetimeFigureOut">
               <a:rPr lang="de-DE" smtClean="0"/>
-              <a:t>02.09.2024</a:t>
+              <a:t>11.10.2024</a:t>
             </a:fld>
             <a:endParaRPr lang="de-DE"/>
           </a:p>
@@ -814,7 +815,7 @@
           <a:p>
             <a:fld id="{531BC03E-9CD8-4EA0-9577-F264977D7F5B}" type="datetimeFigureOut">
               <a:rPr lang="de-DE" smtClean="0"/>
-              <a:t>02.09.2024</a:t>
+              <a:t>11.10.2024</a:t>
             </a:fld>
             <a:endParaRPr lang="de-DE"/>
           </a:p>
@@ -1014,7 +1015,7 @@
           <a:p>
             <a:fld id="{531BC03E-9CD8-4EA0-9577-F264977D7F5B}" type="datetimeFigureOut">
               <a:rPr lang="de-DE" smtClean="0"/>
-              <a:t>02.09.2024</a:t>
+              <a:t>11.10.2024</a:t>
             </a:fld>
             <a:endParaRPr lang="de-DE"/>
           </a:p>
@@ -1290,7 +1291,7 @@
           <a:p>
             <a:fld id="{531BC03E-9CD8-4EA0-9577-F264977D7F5B}" type="datetimeFigureOut">
               <a:rPr lang="de-DE" smtClean="0"/>
-              <a:t>02.09.2024</a:t>
+              <a:t>11.10.2024</a:t>
             </a:fld>
             <a:endParaRPr lang="de-DE"/>
           </a:p>
@@ -1558,7 +1559,7 @@
           <a:p>
             <a:fld id="{531BC03E-9CD8-4EA0-9577-F264977D7F5B}" type="datetimeFigureOut">
               <a:rPr lang="de-DE" smtClean="0"/>
-              <a:t>02.09.2024</a:t>
+              <a:t>11.10.2024</a:t>
             </a:fld>
             <a:endParaRPr lang="de-DE"/>
           </a:p>
@@ -1973,7 +1974,7 @@
           <a:p>
             <a:fld id="{531BC03E-9CD8-4EA0-9577-F264977D7F5B}" type="datetimeFigureOut">
               <a:rPr lang="de-DE" smtClean="0"/>
-              <a:t>02.09.2024</a:t>
+              <a:t>11.10.2024</a:t>
             </a:fld>
             <a:endParaRPr lang="de-DE"/>
           </a:p>
@@ -2115,7 +2116,7 @@
           <a:p>
             <a:fld id="{531BC03E-9CD8-4EA0-9577-F264977D7F5B}" type="datetimeFigureOut">
               <a:rPr lang="de-DE" smtClean="0"/>
-              <a:t>02.09.2024</a:t>
+              <a:t>11.10.2024</a:t>
             </a:fld>
             <a:endParaRPr lang="de-DE"/>
           </a:p>
@@ -2228,7 +2229,7 @@
           <a:p>
             <a:fld id="{531BC03E-9CD8-4EA0-9577-F264977D7F5B}" type="datetimeFigureOut">
               <a:rPr lang="de-DE" smtClean="0"/>
-              <a:t>02.09.2024</a:t>
+              <a:t>11.10.2024</a:t>
             </a:fld>
             <a:endParaRPr lang="de-DE"/>
           </a:p>
@@ -2541,7 +2542,7 @@
           <a:p>
             <a:fld id="{531BC03E-9CD8-4EA0-9577-F264977D7F5B}" type="datetimeFigureOut">
               <a:rPr lang="de-DE" smtClean="0"/>
-              <a:t>02.09.2024</a:t>
+              <a:t>11.10.2024</a:t>
             </a:fld>
             <a:endParaRPr lang="de-DE"/>
           </a:p>
@@ -2830,7 +2831,7 @@
           <a:p>
             <a:fld id="{531BC03E-9CD8-4EA0-9577-F264977D7F5B}" type="datetimeFigureOut">
               <a:rPr lang="de-DE" smtClean="0"/>
-              <a:t>02.09.2024</a:t>
+              <a:t>11.10.2024</a:t>
             </a:fld>
             <a:endParaRPr lang="de-DE"/>
           </a:p>
@@ -3073,7 +3074,7 @@
           <a:p>
             <a:fld id="{531BC03E-9CD8-4EA0-9577-F264977D7F5B}" type="datetimeFigureOut">
               <a:rPr lang="de-DE" smtClean="0"/>
-              <a:t>02.09.2024</a:t>
+              <a:t>11.10.2024</a:t>
             </a:fld>
             <a:endParaRPr lang="de-DE"/>
           </a:p>
@@ -3923,6 +3924,185 @@
           <p:cNvPr id="2" name="Title 1">
             <a:extLst>
               <a:ext uri="{FF2B5EF4-FFF2-40B4-BE49-F238E27FC236}">
+                <a16:creationId xmlns:a16="http://schemas.microsoft.com/office/drawing/2014/main" id="{C9F99CAE-64BB-4002-98CC-1D67FFD3C997}"/>
+              </a:ext>
+            </a:extLst>
+          </p:cNvPr>
+          <p:cNvSpPr>
+            <a:spLocks noGrp="1"/>
+          </p:cNvSpPr>
+          <p:nvPr>
+            <p:ph type="title"/>
+          </p:nvPr>
+        </p:nvSpPr>
+        <p:spPr/>
+        <p:txBody>
+          <a:bodyPr/>
+          <a:lstStyle/>
+          <a:p>
+            <a:r>
+              <a:rPr lang="en-US" dirty="0"/>
+              <a:t>BERT Preprocessor </a:t>
+            </a:r>
+          </a:p>
+        </p:txBody>
+      </p:sp>
+      <p:pic>
+        <p:nvPicPr>
+          <p:cNvPr id="4" name="Picture 3">
+            <a:extLst>
+              <a:ext uri="{FF2B5EF4-FFF2-40B4-BE49-F238E27FC236}">
+                <a16:creationId xmlns:a16="http://schemas.microsoft.com/office/drawing/2014/main" id="{E489C50D-1465-42D8-AE3A-D1C35C234F83}"/>
+              </a:ext>
+            </a:extLst>
+          </p:cNvPr>
+          <p:cNvPicPr>
+            <a:picLocks noChangeAspect="1"/>
+          </p:cNvPicPr>
+          <p:nvPr/>
+        </p:nvPicPr>
+        <p:blipFill>
+          <a:blip r:embed="rId2"/>
+          <a:stretch>
+            <a:fillRect/>
+          </a:stretch>
+        </p:blipFill>
+        <p:spPr>
+          <a:xfrm>
+            <a:off x="863600" y="2066735"/>
+            <a:ext cx="6182588" cy="1362265"/>
+          </a:xfrm>
+          <a:prstGeom prst="rect">
+            <a:avLst/>
+          </a:prstGeom>
+        </p:spPr>
+      </p:pic>
+      <p:sp>
+        <p:nvSpPr>
+          <p:cNvPr id="5" name="TextBox 4">
+            <a:extLst>
+              <a:ext uri="{FF2B5EF4-FFF2-40B4-BE49-F238E27FC236}">
+                <a16:creationId xmlns:a16="http://schemas.microsoft.com/office/drawing/2014/main" id="{26C9BDCF-5527-498D-AE11-EF26F4BEAD85}"/>
+              </a:ext>
+            </a:extLst>
+          </p:cNvPr>
+          <p:cNvSpPr txBox="1"/>
+          <p:nvPr/>
+        </p:nvSpPr>
+        <p:spPr>
+          <a:xfrm>
+            <a:off x="1422400" y="4165600"/>
+            <a:ext cx="5623788" cy="646331"/>
+          </a:xfrm>
+          <a:prstGeom prst="rect">
+            <a:avLst/>
+          </a:prstGeom>
+          <a:noFill/>
+        </p:spPr>
+        <p:txBody>
+          <a:bodyPr wrap="square" rtlCol="0">
+            <a:spAutoFit/>
+          </a:bodyPr>
+          <a:lstStyle/>
+          <a:p>
+            <a:r>
+              <a:rPr lang="en-US" dirty="0"/>
+              <a:t>Size(</a:t>
+            </a:r>
+            <a:r>
+              <a:rPr lang="en-US" dirty="0" err="1"/>
+              <a:t>input_mask</a:t>
+            </a:r>
+            <a:r>
+              <a:rPr lang="en-US" dirty="0"/>
+              <a:t>) = 128. </a:t>
+            </a:r>
+            <a:r>
+              <a:rPr lang="en-US" dirty="0" err="1"/>
+              <a:t>Ist</a:t>
+            </a:r>
+            <a:r>
+              <a:rPr lang="en-US" dirty="0"/>
+              <a:t> </a:t>
+            </a:r>
+            <a:r>
+              <a:rPr lang="en-US" dirty="0" err="1"/>
+              <a:t>größer</a:t>
+            </a:r>
+            <a:r>
+              <a:rPr lang="en-US" dirty="0"/>
+              <a:t> </a:t>
+            </a:r>
+            <a:r>
+              <a:rPr lang="en-US" dirty="0" err="1"/>
+              <a:t>als</a:t>
+            </a:r>
+            <a:r>
+              <a:rPr lang="en-US" dirty="0"/>
+              <a:t> </a:t>
+            </a:r>
+            <a:r>
+              <a:rPr lang="en-US" dirty="0" err="1"/>
+              <a:t>längster</a:t>
+            </a:r>
+            <a:r>
+              <a:rPr lang="en-US" dirty="0"/>
+              <a:t> </a:t>
+            </a:r>
+            <a:r>
+              <a:rPr lang="en-US" dirty="0" err="1"/>
+              <a:t>Satz</a:t>
+            </a:r>
+            <a:r>
+              <a:rPr lang="en-US" dirty="0"/>
+              <a:t> (</a:t>
+            </a:r>
+            <a:r>
+              <a:rPr lang="en-US" dirty="0" err="1"/>
+              <a:t>aufpassen</a:t>
+            </a:r>
+            <a:r>
+              <a:rPr lang="en-US" dirty="0"/>
+              <a:t>)!!! </a:t>
+            </a:r>
+          </a:p>
+        </p:txBody>
+      </p:sp>
+    </p:spTree>
+    <p:extLst>
+      <p:ext uri="{BB962C8B-B14F-4D97-AF65-F5344CB8AC3E}">
+        <p14:creationId xmlns:p14="http://schemas.microsoft.com/office/powerpoint/2010/main" val="1283702794"/>
+      </p:ext>
+    </p:extLst>
+  </p:cSld>
+  <p:clrMapOvr>
+    <a:masterClrMapping/>
+  </p:clrMapOvr>
+</p:sld>
+</file>
+
+<file path=ppt/slides/slide5.xml><?xml version="1.0" encoding="utf-8"?>
+<p:sld xmlns:a="http://schemas.openxmlformats.org/drawingml/2006/main" xmlns:r="http://schemas.openxmlformats.org/officeDocument/2006/relationships" xmlns:p="http://schemas.openxmlformats.org/presentationml/2006/main">
+  <p:cSld>
+    <p:spTree>
+      <p:nvGrpSpPr>
+        <p:cNvPr id="1" name=""/>
+        <p:cNvGrpSpPr/>
+        <p:nvPr/>
+      </p:nvGrpSpPr>
+      <p:grpSpPr>
+        <a:xfrm>
+          <a:off x="0" y="0"/>
+          <a:ext cx="0" cy="0"/>
+          <a:chOff x="0" y="0"/>
+          <a:chExt cx="0" cy="0"/>
+        </a:xfrm>
+      </p:grpSpPr>
+      <p:sp>
+        <p:nvSpPr>
+          <p:cNvPr id="2" name="Title 1">
+            <a:extLst>
+              <a:ext uri="{FF2B5EF4-FFF2-40B4-BE49-F238E27FC236}">
                 <a16:creationId xmlns:a16="http://schemas.microsoft.com/office/drawing/2014/main" id="{B264751A-893C-4AA2-8337-997288C089C8}"/>
               </a:ext>
             </a:extLst>
@@ -3994,7 +4174,7 @@
 </p:sld>
 </file>
 
-<file path=ppt/slides/slide5.xml><?xml version="1.0" encoding="utf-8"?>
+<file path=ppt/slides/slide6.xml><?xml version="1.0" encoding="utf-8"?>
 <p:sld xmlns:a="http://schemas.openxmlformats.org/drawingml/2006/main" xmlns:r="http://schemas.openxmlformats.org/officeDocument/2006/relationships" xmlns:p="http://schemas.openxmlformats.org/presentationml/2006/main">
   <p:cSld>
     <p:spTree>
@@ -4084,7 +4264,7 @@
 </p:sld>
 </file>
 
-<file path=ppt/slides/slide6.xml><?xml version="1.0" encoding="utf-8"?>
+<file path=ppt/slides/slide7.xml><?xml version="1.0" encoding="utf-8"?>
 <p:sld xmlns:a="http://schemas.openxmlformats.org/drawingml/2006/main" xmlns:r="http://schemas.openxmlformats.org/officeDocument/2006/relationships" xmlns:p="http://schemas.openxmlformats.org/presentationml/2006/main">
   <p:cSld>
     <p:spTree>
@@ -4197,7 +4377,7 @@
 </p:sld>
 </file>
 
-<file path=ppt/slides/slide7.xml><?xml version="1.0" encoding="utf-8"?>
+<file path=ppt/slides/slide8.xml><?xml version="1.0" encoding="utf-8"?>
 <p:sld xmlns:a="http://schemas.openxmlformats.org/drawingml/2006/main" xmlns:r="http://schemas.openxmlformats.org/officeDocument/2006/relationships" xmlns:p="http://schemas.openxmlformats.org/presentationml/2006/main">
   <p:cSld>
     <p:spTree>
@@ -4583,23 +4763,6 @@
 </file>
 
 <file path=customXml/item1.xml><?xml version="1.0" encoding="utf-8"?>
-<p:properties xmlns:p="http://schemas.microsoft.com/office/2006/metadata/properties" xmlns:xsi="http://www.w3.org/2001/XMLSchema-instance" xmlns:pc="http://schemas.microsoft.com/office/infopath/2007/PartnerControls">
-  <documentManagement>
-    <_activity xmlns="bac5c0ce-8fe9-4600-ae52-54e2598dbc0d" xsi:nil="true"/>
-  </documentManagement>
-</p:properties>
-</file>
-
-<file path=customXml/item2.xml><?xml version="1.0" encoding="utf-8"?>
-<?mso-contentType ?>
-<FormTemplates xmlns="http://schemas.microsoft.com/sharepoint/v3/contenttype/forms">
-  <Display>DocumentLibraryForm</Display>
-  <Edit>DocumentLibraryForm</Edit>
-  <New>DocumentLibraryForm</New>
-</FormTemplates>
-</file>
-
-<file path=customXml/item3.xml><?xml version="1.0" encoding="utf-8"?>
 <ct:contentTypeSchema xmlns:ct="http://schemas.microsoft.com/office/2006/metadata/contentType" xmlns:ma="http://schemas.microsoft.com/office/2006/metadata/properties/metaAttributes" ct:_="" ma:_="" ma:contentTypeName="Dokument" ma:contentTypeID="0x010100A94C8B9EF9CEA347BC587571F846F827" ma:contentTypeVersion="11" ma:contentTypeDescription="Ein neues Dokument erstellen." ma:contentTypeScope="" ma:versionID="0a7805a3a6acd038ed4984f31f11d3ba">
   <xsd:schema xmlns:xsd="http://www.w3.org/2001/XMLSchema" xmlns:xs="http://www.w3.org/2001/XMLSchema" xmlns:p="http://schemas.microsoft.com/office/2006/metadata/properties" xmlns:ns3="bac5c0ce-8fe9-4600-ae52-54e2598dbc0d" targetNamespace="http://schemas.microsoft.com/office/2006/metadata/properties" ma:root="true" ma:fieldsID="6ac7b9644703bc9f9c3a5d7ace44a693" ns3:_="">
     <xsd:import namespace="bac5c0ce-8fe9-4600-ae52-54e2598dbc0d"/>
@@ -4787,31 +4950,24 @@
 </ct:contentTypeSchema>
 </file>
 
-<file path=customXml/itemProps1.xml><?xml version="1.0" encoding="utf-8"?>
-<ds:datastoreItem xmlns:ds="http://schemas.openxmlformats.org/officeDocument/2006/customXml" ds:itemID="{78BD2F25-50E9-4A4A-8F37-5D88EC77E5D1}">
-  <ds:schemaRefs>
-    <ds:schemaRef ds:uri="http://schemas.microsoft.com/office/2006/documentManagement/types"/>
-    <ds:schemaRef ds:uri="http://schemas.microsoft.com/office/2006/metadata/properties"/>
-    <ds:schemaRef ds:uri="http://www.w3.org/XML/1998/namespace"/>
-    <ds:schemaRef ds:uri="http://schemas.openxmlformats.org/package/2006/metadata/core-properties"/>
-    <ds:schemaRef ds:uri="bac5c0ce-8fe9-4600-ae52-54e2598dbc0d"/>
-    <ds:schemaRef ds:uri="http://purl.org/dc/elements/1.1/"/>
-    <ds:schemaRef ds:uri="http://purl.org/dc/terms/"/>
-    <ds:schemaRef ds:uri="http://schemas.microsoft.com/office/infopath/2007/PartnerControls"/>
-    <ds:schemaRef ds:uri="http://purl.org/dc/dcmitype/"/>
-  </ds:schemaRefs>
-</ds:datastoreItem>
+<file path=customXml/item2.xml><?xml version="1.0" encoding="utf-8"?>
+<?mso-contentType ?>
+<FormTemplates xmlns="http://schemas.microsoft.com/sharepoint/v3/contenttype/forms">
+  <Display>DocumentLibraryForm</Display>
+  <Edit>DocumentLibraryForm</Edit>
+  <New>DocumentLibraryForm</New>
+</FormTemplates>
 </file>
 
-<file path=customXml/itemProps2.xml><?xml version="1.0" encoding="utf-8"?>
-<ds:datastoreItem xmlns:ds="http://schemas.openxmlformats.org/officeDocument/2006/customXml" ds:itemID="{0874091F-7319-490E-81F6-D18A1FC92960}">
-  <ds:schemaRefs>
-    <ds:schemaRef ds:uri="http://schemas.microsoft.com/sharepoint/v3/contenttype/forms"/>
-  </ds:schemaRefs>
-</ds:datastoreItem>
+<file path=customXml/item3.xml><?xml version="1.0" encoding="utf-8"?>
+<p:properties xmlns:p="http://schemas.microsoft.com/office/2006/metadata/properties" xmlns:xsi="http://www.w3.org/2001/XMLSchema-instance" xmlns:pc="http://schemas.microsoft.com/office/infopath/2007/PartnerControls">
+  <documentManagement>
+    <_activity xmlns="bac5c0ce-8fe9-4600-ae52-54e2598dbc0d" xsi:nil="true"/>
+  </documentManagement>
+</p:properties>
 </file>
 
-<file path=customXml/itemProps3.xml><?xml version="1.0" encoding="utf-8"?>
+<file path=customXml/itemProps1.xml><?xml version="1.0" encoding="utf-8"?>
 <ds:datastoreItem xmlns:ds="http://schemas.openxmlformats.org/officeDocument/2006/customXml" ds:itemID="{D2CEBE92-BF88-46D0-A3F8-B4604F0FBB81}">
   <ds:schemaRefs>
     <ds:schemaRef ds:uri="http://schemas.microsoft.com/office/2006/metadata/contentType"/>
@@ -4827,4 +4983,28 @@
     <ds:schemaRef ds:uri="http://schemas.microsoft.com/internal/obd"/>
   </ds:schemaRefs>
 </ds:datastoreItem>
+</file>
+
+<file path=customXml/itemProps2.xml><?xml version="1.0" encoding="utf-8"?>
+<ds:datastoreItem xmlns:ds="http://schemas.openxmlformats.org/officeDocument/2006/customXml" ds:itemID="{0874091F-7319-490E-81F6-D18A1FC92960}">
+  <ds:schemaRefs>
+    <ds:schemaRef ds:uri="http://schemas.microsoft.com/sharepoint/v3/contenttype/forms"/>
+  </ds:schemaRefs>
+</ds:datastoreItem>
+</file>
+
+<file path=customXml/itemProps3.xml><?xml version="1.0" encoding="utf-8"?>
+<ds:datastoreItem xmlns:ds="http://schemas.openxmlformats.org/officeDocument/2006/customXml" ds:itemID="{78BD2F25-50E9-4A4A-8F37-5D88EC77E5D1}">
+  <ds:schemaRefs>
+    <ds:schemaRef ds:uri="http://schemas.microsoft.com/office/2006/documentManagement/types"/>
+    <ds:schemaRef ds:uri="http://schemas.microsoft.com/office/2006/metadata/properties"/>
+    <ds:schemaRef ds:uri="http://www.w3.org/XML/1998/namespace"/>
+    <ds:schemaRef ds:uri="http://schemas.openxmlformats.org/package/2006/metadata/core-properties"/>
+    <ds:schemaRef ds:uri="bac5c0ce-8fe9-4600-ae52-54e2598dbc0d"/>
+    <ds:schemaRef ds:uri="http://purl.org/dc/elements/1.1/"/>
+    <ds:schemaRef ds:uri="http://purl.org/dc/terms/"/>
+    <ds:schemaRef ds:uri="http://schemas.microsoft.com/office/infopath/2007/PartnerControls"/>
+    <ds:schemaRef ds:uri="http://purl.org/dc/dcmitype/"/>
+  </ds:schemaRefs>
+</ds:datastoreItem>
 </file>